--- a/extension/icons/StickyNotePoster.pptx
+++ b/extension/icons/StickyNotePoster.pptx
@@ -256,7 +256,7 @@
             <a:fld id="{0158C5BC-9A70-462C-B28D-9600239EAC64}" type="datetimeFigureOut">
               <a:rPr lang="en-US" smtClean="0"/>
               <a:pPr/>
-              <a:t>11/9/2023</a:t>
+              <a:t>11/10/2023</a:t>
             </a:fld>
             <a:endParaRPr lang="en-US"/>
           </a:p>
@@ -423,7 +423,7 @@
             <a:fld id="{E6CC2317-6751-4CD4-9995-8782DD78E936}" type="datetimeFigureOut">
               <a:rPr lang="en-US" smtClean="0"/>
               <a:pPr/>
-              <a:t>11/9/2023</a:t>
+              <a:t>11/10/2023</a:t>
             </a:fld>
             <a:endParaRPr lang="en-US" dirty="0"/>
           </a:p>
@@ -6463,6 +6463,142 @@
       </p:grpSpPr>
       <p:pic>
         <p:nvPicPr>
+          <p:cNvPr id="4" name="Picture 3" descr="A paper with a push pin&#10;&#10;Description automatically generated">
+            <a:extLst>
+              <a:ext uri="{FF2B5EF4-FFF2-40B4-BE49-F238E27FC236}">
+                <a16:creationId xmlns:a16="http://schemas.microsoft.com/office/drawing/2014/main" id="{0B338931-FD94-CDAE-93BF-F494853470FC}"/>
+              </a:ext>
+            </a:extLst>
+          </p:cNvPr>
+          <p:cNvPicPr>
+            <a:picLocks noChangeAspect="1"/>
+          </p:cNvPicPr>
+          <p:nvPr/>
+        </p:nvPicPr>
+        <p:blipFill rotWithShape="1">
+          <a:blip r:embed="rId2">
+            <a:duotone>
+              <a:schemeClr val="accent6">
+                <a:shade val="45000"/>
+                <a:satMod val="135000"/>
+              </a:schemeClr>
+              <a:prstClr val="white"/>
+            </a:duotone>
+            <a:extLst>
+              <a:ext uri="{28A0092B-C50C-407E-A947-70E740481C1C}">
+                <a14:useLocalDpi xmlns:a14="http://schemas.microsoft.com/office/drawing/2010/main" val="0"/>
+              </a:ext>
+            </a:extLst>
+          </a:blip>
+          <a:srcRect l="-6486" t="634" r="6486" b="-1307"/>
+          <a:stretch/>
+        </p:blipFill>
+        <p:spPr>
+          <a:xfrm rot="423001">
+            <a:off x="30140216" y="187668"/>
+            <a:ext cx="14219499" cy="11876645"/>
+          </a:xfrm>
+          <a:prstGeom prst="rect">
+            <a:avLst/>
+          </a:prstGeom>
+          <a:noFill/>
+          <a:ln>
+            <a:noFill/>
+          </a:ln>
+        </p:spPr>
+      </p:pic>
+      <p:pic>
+        <p:nvPicPr>
+          <p:cNvPr id="8" name="Picture 7" descr="A yellow note with a red push pin&#10;&#10;Description automatically generated">
+            <a:extLst>
+              <a:ext uri="{FF2B5EF4-FFF2-40B4-BE49-F238E27FC236}">
+                <a16:creationId xmlns:a16="http://schemas.microsoft.com/office/drawing/2014/main" id="{0427BF71-5439-B961-4281-BB9B911D0FF3}"/>
+              </a:ext>
+            </a:extLst>
+          </p:cNvPr>
+          <p:cNvPicPr>
+            <a:picLocks noChangeAspect="1"/>
+          </p:cNvPicPr>
+          <p:nvPr/>
+        </p:nvPicPr>
+        <p:blipFill rotWithShape="1">
+          <a:blip r:embed="rId3">
+            <a:extLst>
+              <a:ext uri="{28A0092B-C50C-407E-A947-70E740481C1C}">
+                <a14:useLocalDpi xmlns:a14="http://schemas.microsoft.com/office/drawing/2010/main" val="0"/>
+              </a:ext>
+            </a:extLst>
+          </a:blip>
+          <a:srcRect l="-4954" r="4954"/>
+          <a:stretch/>
+        </p:blipFill>
+        <p:spPr>
+          <a:xfrm>
+            <a:off x="32130794" y="11392081"/>
+            <a:ext cx="11818994" cy="12803909"/>
+          </a:xfrm>
+          <a:prstGeom prst="rect">
+            <a:avLst/>
+          </a:prstGeom>
+        </p:spPr>
+      </p:pic>
+      <p:pic>
+        <p:nvPicPr>
+          <p:cNvPr id="15" name="Picture 14" descr="A yellow sticky note on a black background&#10;&#10;Description automatically generated">
+            <a:extLst>
+              <a:ext uri="{FF2B5EF4-FFF2-40B4-BE49-F238E27FC236}">
+                <a16:creationId xmlns:a16="http://schemas.microsoft.com/office/drawing/2014/main" id="{3EEB75BA-F398-35E8-23DF-3FFE010ED591}"/>
+              </a:ext>
+            </a:extLst>
+          </p:cNvPr>
+          <p:cNvPicPr>
+            <a:picLocks noChangeAspect="1"/>
+          </p:cNvPicPr>
+          <p:nvPr/>
+        </p:nvPicPr>
+        <p:blipFill rotWithShape="1">
+          <a:blip r:embed="rId4">
+            <a:duotone>
+              <a:schemeClr val="accent2">
+                <a:shade val="45000"/>
+                <a:satMod val="135000"/>
+              </a:schemeClr>
+              <a:prstClr val="white"/>
+            </a:duotone>
+            <a:alphaModFix/>
+            <a:extLst>
+              <a:ext uri="{BEBA8EAE-BF5A-486C-A8C5-ECC9F3942E4B}">
+                <a14:imgProps xmlns:a14="http://schemas.microsoft.com/office/drawing/2010/main">
+                  <a14:imgLayer r:embed="rId5">
+                    <a14:imgEffect>
+                      <a14:colorTemperature colorTemp="11500"/>
+                    </a14:imgEffect>
+                    <a14:imgEffect>
+                      <a14:saturation sat="0"/>
+                    </a14:imgEffect>
+                  </a14:imgLayer>
+                </a14:imgProps>
+              </a:ext>
+              <a:ext uri="{28A0092B-C50C-407E-A947-70E740481C1C}">
+                <a14:useLocalDpi xmlns:a14="http://schemas.microsoft.com/office/drawing/2010/main" val="0"/>
+              </a:ext>
+            </a:extLst>
+          </a:blip>
+          <a:srcRect t="-6790" b="-11559"/>
+          <a:stretch/>
+        </p:blipFill>
+        <p:spPr>
+          <a:xfrm rot="397738">
+            <a:off x="31972611" y="22871845"/>
+            <a:ext cx="12233478" cy="11795760"/>
+          </a:xfrm>
+          <a:prstGeom prst="rect">
+            <a:avLst/>
+          </a:prstGeom>
+        </p:spPr>
+      </p:pic>
+      <p:pic>
+        <p:nvPicPr>
           <p:cNvPr id="7" name="Picture 6" descr="A yellow post it note with a purple pin&#10;&#10;Description automatically generated">
             <a:extLst>
               <a:ext uri="{FF2B5EF4-FFF2-40B4-BE49-F238E27FC236}">
@@ -6476,7 +6612,7 @@
           <p:nvPr/>
         </p:nvPicPr>
         <p:blipFill rotWithShape="1">
-          <a:blip r:embed="rId2">
+          <a:blip r:embed="rId6">
             <a:extLst>
               <a:ext uri="{28A0092B-C50C-407E-A947-70E740481C1C}">
                 <a14:useLocalDpi xmlns:a14="http://schemas.microsoft.com/office/drawing/2010/main" val="0"/>
@@ -6511,7 +6647,7 @@
           <p:nvPr/>
         </p:nvPicPr>
         <p:blipFill rotWithShape="1">
-          <a:blip r:embed="rId3">
+          <a:blip r:embed="rId7">
             <a:extLst>
               <a:ext uri="{28A0092B-C50C-407E-A947-70E740481C1C}">
                 <a14:useLocalDpi xmlns:a14="http://schemas.microsoft.com/office/drawing/2010/main" val="0"/>
@@ -6546,7 +6682,7 @@
           <p:nvPr/>
         </p:nvPicPr>
         <p:blipFill rotWithShape="1">
-          <a:blip r:embed="rId4">
+          <a:blip r:embed="rId8">
             <a:extLst>
               <a:ext uri="{28A0092B-C50C-407E-A947-70E740481C1C}">
                 <a14:useLocalDpi xmlns:a14="http://schemas.microsoft.com/office/drawing/2010/main" val="0"/>
@@ -6581,7 +6717,7 @@
           <p:nvPr/>
         </p:nvPicPr>
         <p:blipFill rotWithShape="1">
-          <a:blip r:embed="rId5">
+          <a:blip r:embed="rId9">
             <a:extLst>
               <a:ext uri="{28A0092B-C50C-407E-A947-70E740481C1C}">
                 <a14:useLocalDpi xmlns:a14="http://schemas.microsoft.com/office/drawing/2010/main" val="0"/>
@@ -6616,7 +6752,7 @@
           <p:nvPr/>
         </p:nvPicPr>
         <p:blipFill rotWithShape="1">
-          <a:blip r:embed="rId3">
+          <a:blip r:embed="rId7">
             <a:extLst>
               <a:ext uri="{28A0092B-C50C-407E-A947-70E740481C1C}">
                 <a14:useLocalDpi xmlns:a14="http://schemas.microsoft.com/office/drawing/2010/main" val="0"/>
@@ -6787,39 +6923,6 @@
       </p:sp>
       <p:sp>
         <p:nvSpPr>
-          <p:cNvPr id="91" name="Text Placeholder 90">
-            <a:extLst>
-              <a:ext uri="{FF2B5EF4-FFF2-40B4-BE49-F238E27FC236}">
-                <a16:creationId xmlns:a16="http://schemas.microsoft.com/office/drawing/2014/main" id="{6A984DC8-C031-724D-9B33-B7D232AE5C5D}"/>
-              </a:ext>
-            </a:extLst>
-          </p:cNvPr>
-          <p:cNvSpPr>
-            <a:spLocks noGrp="1"/>
-          </p:cNvSpPr>
-          <p:nvPr>
-            <p:ph type="body" sz="quarter" idx="22"/>
-          </p:nvPr>
-        </p:nvSpPr>
-        <p:spPr>
-          <a:xfrm>
-            <a:off x="17267681" y="20074918"/>
-            <a:ext cx="10048875" cy="923322"/>
-          </a:xfrm>
-        </p:spPr>
-        <p:txBody>
-          <a:bodyPr/>
-          <a:lstStyle/>
-          <a:p>
-            <a:r>
-              <a:rPr lang="en-US" sz="4800" dirty="0"/>
-              <a:t>What was used to make the project?</a:t>
-            </a:r>
-          </a:p>
-        </p:txBody>
-      </p:sp>
-      <p:sp>
-        <p:nvSpPr>
           <p:cNvPr id="92" name="Text Placeholder 91">
             <a:extLst>
               <a:ext uri="{FF2B5EF4-FFF2-40B4-BE49-F238E27FC236}">
@@ -6869,15 +6972,18 @@
         </p:nvSpPr>
         <p:spPr>
           <a:xfrm>
-            <a:off x="33373126" y="9262537"/>
-            <a:ext cx="10058400" cy="754045"/>
+            <a:off x="33703739" y="13417461"/>
+            <a:ext cx="10058400" cy="923322"/>
           </a:xfrm>
         </p:spPr>
         <p:txBody>
           <a:bodyPr/>
           <a:lstStyle/>
           <a:p>
-            <a:endParaRPr lang="en-US" dirty="0"/>
+            <a:r>
+              <a:rPr lang="en-US" sz="4800" dirty="0"/>
+              <a:t>What is going to be added?</a:t>
+            </a:r>
           </a:p>
         </p:txBody>
       </p:sp>
@@ -6899,15 +7005,18 @@
         </p:nvSpPr>
         <p:spPr>
           <a:xfrm>
-            <a:off x="33390292" y="4361550"/>
-            <a:ext cx="10047018" cy="754045"/>
+            <a:off x="32815241" y="2602888"/>
+            <a:ext cx="10047018" cy="923322"/>
           </a:xfrm>
         </p:spPr>
         <p:txBody>
           <a:bodyPr/>
           <a:lstStyle/>
           <a:p>
-            <a:endParaRPr lang="en-US" dirty="0"/>
+            <a:r>
+              <a:rPr lang="en-US" sz="4800" dirty="0"/>
+              <a:t>Can I download it right now???</a:t>
+            </a:r>
           </a:p>
         </p:txBody>
       </p:sp>
@@ -6946,31 +7055,6 @@
       </p:sp>
       <p:sp>
         <p:nvSpPr>
-          <p:cNvPr id="96" name="Text Placeholder 95">
-            <a:extLst>
-              <a:ext uri="{FF2B5EF4-FFF2-40B4-BE49-F238E27FC236}">
-                <a16:creationId xmlns:a16="http://schemas.microsoft.com/office/drawing/2014/main" id="{59AA662D-8D39-F746-9987-521130222D8C}"/>
-              </a:ext>
-            </a:extLst>
-          </p:cNvPr>
-          <p:cNvSpPr>
-            <a:spLocks noGrp="1"/>
-          </p:cNvSpPr>
-          <p:nvPr>
-            <p:ph type="body" sz="quarter" idx="27"/>
-          </p:nvPr>
-        </p:nvSpPr>
-        <p:spPr/>
-        <p:txBody>
-          <a:bodyPr/>
-          <a:lstStyle/>
-          <a:p>
-            <a:endParaRPr lang="en-US"/>
-          </a:p>
-        </p:txBody>
-      </p:sp>
-      <p:sp>
-        <p:nvSpPr>
           <p:cNvPr id="97" name="Text Placeholder 96">
             <a:extLst>
               <a:ext uri="{FF2B5EF4-FFF2-40B4-BE49-F238E27FC236}">
@@ -6985,14 +7069,41 @@
             <p:ph type="body" sz="quarter" idx="28"/>
           </p:nvPr>
         </p:nvSpPr>
-        <p:spPr/>
+        <p:spPr>
+          <a:xfrm>
+            <a:off x="33204578" y="3648449"/>
+            <a:ext cx="10052050" cy="4499671"/>
+          </a:xfrm>
+        </p:spPr>
         <p:txBody>
           <a:bodyPr/>
           <a:lstStyle/>
           <a:p>
             <a:r>
-              <a:rPr lang="en-US" dirty="0"/>
-              <a:t>React Bootstrap</a:t>
+              <a:rPr lang="en-US" sz="3200" dirty="0"/>
+              <a:t>In it’s current state, the </a:t>
+            </a:r>
+            <a:r>
+              <a:rPr lang="en-US" sz="3200" dirty="0" err="1"/>
+              <a:t>StickyNote</a:t>
+            </a:r>
+            <a:r>
+              <a:rPr lang="en-US" sz="3200" dirty="0"/>
+              <a:t> chrome extension    can create the notes, resize them, pin those notes so it scrolls with the page, and add text. While this is most      of the intended functionality, it is far from what I want     to deliver in the end.</a:t>
+            </a:r>
+          </a:p>
+          <a:p>
+            <a:r>
+              <a:rPr lang="en-US" sz="3200" dirty="0"/>
+              <a:t>Another point to make regarding this is that currently </a:t>
+            </a:r>
+            <a:r>
+              <a:rPr lang="en-US" sz="3200" dirty="0" err="1"/>
+              <a:t>StickyNote</a:t>
+            </a:r>
+            <a:r>
+              <a:rPr lang="en-US" sz="3200" dirty="0"/>
+              <a:t> is only on Chrome because I am using the Chrome Extension for the popup and settings page</a:t>
             </a:r>
           </a:p>
         </p:txBody>
@@ -7013,12 +7124,20 @@
             <p:ph type="body" sz="quarter" idx="29"/>
           </p:nvPr>
         </p:nvSpPr>
-        <p:spPr/>
+        <p:spPr>
+          <a:xfrm>
+            <a:off x="33209610" y="24462513"/>
+            <a:ext cx="10047018" cy="923322"/>
+          </a:xfrm>
+        </p:spPr>
         <p:txBody>
           <a:bodyPr/>
           <a:lstStyle/>
           <a:p>
-            <a:endParaRPr lang="en-US"/>
+            <a:r>
+              <a:rPr lang="en-US" sz="4800" dirty="0"/>
+              <a:t>The team and our workflow</a:t>
+            </a:r>
           </a:p>
         </p:txBody>
       </p:sp>
@@ -7038,12 +7157,34 @@
             <p:ph type="body" sz="quarter" idx="30"/>
           </p:nvPr>
         </p:nvSpPr>
-        <p:spPr/>
+        <p:spPr>
+          <a:xfrm>
+            <a:off x="33703739" y="14363561"/>
+            <a:ext cx="10052050" cy="6961884"/>
+          </a:xfrm>
+        </p:spPr>
         <p:txBody>
           <a:bodyPr/>
           <a:lstStyle/>
           <a:p>
-            <a:endParaRPr lang="en-US"/>
+            <a:r>
+              <a:rPr lang="en-US" sz="3200" dirty="0"/>
+              <a:t>The hope is that soon I will get every basic function of the extension both polished and bug-free. Once I have the skeleton of the project done, I will be adding color customization, maybe shape customization (other than just differently sized rectangles), different fonts, markdown for formatting, and even mathematical formats for jotting down formulas for your math class.</a:t>
+            </a:r>
+          </a:p>
+          <a:p>
+            <a:r>
+              <a:rPr lang="en-US" sz="3200" dirty="0"/>
+              <a:t>I also hope to bring the extension to different browsers. I currently use Firefox but with how the extension is built, I couldn’t even use my own project. This will come later down the line because I need the entire extension to work before I can start porting it, but eventually </a:t>
+            </a:r>
+            <a:r>
+              <a:rPr lang="en-US" sz="3200" dirty="0" err="1"/>
+              <a:t>StickyNote</a:t>
+            </a:r>
+            <a:r>
+              <a:rPr lang="en-US" sz="3200" dirty="0"/>
+              <a:t> will have support for Chrome, Firefox, and Safari.</a:t>
+            </a:r>
           </a:p>
         </p:txBody>
       </p:sp>
@@ -7214,7 +7355,7 @@
           <p:nvPr/>
         </p:nvPicPr>
         <p:blipFill>
-          <a:blip r:embed="rId6">
+          <a:blip r:embed="rId10">
             <a:extLst>
               <a:ext uri="{28A0092B-C50C-407E-A947-70E740481C1C}">
                 <a14:useLocalDpi xmlns:a14="http://schemas.microsoft.com/office/drawing/2010/main" val="0"/>
@@ -7226,7 +7367,7 @@
         </p:blipFill>
         <p:spPr>
           <a:xfrm>
-            <a:off x="11752873" y="7595113"/>
+            <a:off x="11647366" y="7595113"/>
             <a:ext cx="20935574" cy="11424372"/>
           </a:xfrm>
           <a:prstGeom prst="rect">
@@ -7430,7 +7571,7 @@
           <p:nvPr/>
         </p:nvPicPr>
         <p:blipFill>
-          <a:blip r:embed="rId7">
+          <a:blip r:embed="rId11">
             <a:extLst>
               <a:ext uri="{28A0092B-C50C-407E-A947-70E740481C1C}">
                 <a14:useLocalDpi xmlns:a14="http://schemas.microsoft.com/office/drawing/2010/main" val="0"/>
@@ -7466,7 +7607,7 @@
           <p:nvPr/>
         </p:nvPicPr>
         <p:blipFill>
-          <a:blip r:embed="rId8">
+          <a:blip r:embed="rId12">
             <a:extLst>
               <a:ext uri="{28A0092B-C50C-407E-A947-70E740481C1C}">
                 <a14:useLocalDpi xmlns:a14="http://schemas.microsoft.com/office/drawing/2010/main" val="0"/>
@@ -7479,7 +7620,7 @@
         </p:blipFill>
         <p:spPr>
           <a:xfrm flipH="1">
-            <a:off x="27117710" y="-40738"/>
+            <a:off x="26566320" y="0"/>
             <a:ext cx="7438405" cy="7061466"/>
           </a:xfrm>
           <a:prstGeom prst="rect">
@@ -7501,7 +7642,7 @@
         </p:nvGrpSpPr>
         <p:grpSpPr>
           <a:xfrm>
-            <a:off x="11829796" y="21209913"/>
+            <a:off x="11953914" y="22614247"/>
             <a:ext cx="20565939" cy="10187460"/>
             <a:chOff x="11829796" y="21209913"/>
             <a:chExt cx="20565939" cy="10187460"/>
@@ -7542,7 +7683,7 @@
               <p:nvPr/>
             </p:nvPicPr>
             <p:blipFill>
-              <a:blip r:embed="rId9">
+              <a:blip r:embed="rId13">
                 <a:extLst>
                   <a:ext uri="{28A0092B-C50C-407E-A947-70E740481C1C}">
                     <a14:useLocalDpi xmlns:a14="http://schemas.microsoft.com/office/drawing/2010/main" val="0"/>
@@ -7578,7 +7719,7 @@
               <p:nvPr/>
             </p:nvPicPr>
             <p:blipFill>
-              <a:blip r:embed="rId10">
+              <a:blip r:embed="rId14">
                 <a:extLst>
                   <a:ext uri="{28A0092B-C50C-407E-A947-70E740481C1C}">
                     <a14:useLocalDpi xmlns:a14="http://schemas.microsoft.com/office/drawing/2010/main" val="0"/>
@@ -7614,7 +7755,7 @@
               <p:nvPr/>
             </p:nvPicPr>
             <p:blipFill>
-              <a:blip r:embed="rId11">
+              <a:blip r:embed="rId15">
                 <a:extLst>
                   <a:ext uri="{28A0092B-C50C-407E-A947-70E740481C1C}">
                     <a14:useLocalDpi xmlns:a14="http://schemas.microsoft.com/office/drawing/2010/main" val="0"/>
@@ -7650,7 +7791,7 @@
               <p:nvPr/>
             </p:nvPicPr>
             <p:blipFill>
-              <a:blip r:embed="rId12">
+              <a:blip r:embed="rId16">
                 <a:extLst>
                   <a:ext uri="{28A0092B-C50C-407E-A947-70E740481C1C}">
                     <a14:useLocalDpi xmlns:a14="http://schemas.microsoft.com/office/drawing/2010/main" val="0"/>
@@ -8195,6 +8336,467 @@
           </p:txBody>
         </p:sp>
       </p:grpSp>
+      <p:sp>
+        <p:nvSpPr>
+          <p:cNvPr id="10" name="Text Placeholder 98">
+            <a:extLst>
+              <a:ext uri="{FF2B5EF4-FFF2-40B4-BE49-F238E27FC236}">
+                <a16:creationId xmlns:a16="http://schemas.microsoft.com/office/drawing/2014/main" id="{0F491701-2483-3494-4901-8941600A6DA6}"/>
+              </a:ext>
+            </a:extLst>
+          </p:cNvPr>
+          <p:cNvSpPr txBox="1">
+            <a:spLocks/>
+          </p:cNvSpPr>
+          <p:nvPr/>
+        </p:nvSpPr>
+        <p:spPr>
+          <a:xfrm>
+            <a:off x="33204578" y="25385835"/>
+            <a:ext cx="10052050" cy="6469441"/>
+          </a:xfrm>
+          <a:prstGeom prst="rect">
+            <a:avLst/>
+          </a:prstGeom>
+        </p:spPr>
+        <p:txBody>
+          <a:bodyPr wrap="square" lIns="228589" tIns="228589" rIns="228589" bIns="228589">
+            <a:spAutoFit/>
+          </a:bodyPr>
+          <a:lstStyle>
+            <a:lvl1pPr marL="0" indent="0" algn="l" defTabSz="4388900" rtl="0" eaLnBrk="1" latinLnBrk="0" hangingPunct="1">
+              <a:spcBef>
+                <a:spcPct val="20000"/>
+              </a:spcBef>
+              <a:buFont typeface="Arial" pitchFamily="34" charset="0"/>
+              <a:buNone/>
+              <a:defRPr sz="2500" kern="1200">
+                <a:solidFill>
+                  <a:schemeClr val="accent5">
+                    <a:lumMod val="50000"/>
+                  </a:schemeClr>
+                </a:solidFill>
+                <a:latin typeface="Times New Roman" pitchFamily="18" charset="0"/>
+                <a:ea typeface="+mn-ea"/>
+                <a:cs typeface="Times New Roman" pitchFamily="18" charset="0"/>
+              </a:defRPr>
+            </a:lvl1pPr>
+            <a:lvl2pPr marL="1485825" indent="-571471" algn="l" defTabSz="4388900" rtl="0" eaLnBrk="1" latinLnBrk="0" hangingPunct="1">
+              <a:spcBef>
+                <a:spcPct val="20000"/>
+              </a:spcBef>
+              <a:buFont typeface="Arial" pitchFamily="34" charset="0"/>
+              <a:buChar char="–"/>
+              <a:defRPr sz="2500" kern="1200">
+                <a:solidFill>
+                  <a:schemeClr val="tx1"/>
+                </a:solidFill>
+                <a:latin typeface="Trebuchet MS" pitchFamily="34" charset="0"/>
+                <a:ea typeface="+mn-ea"/>
+                <a:cs typeface="+mn-cs"/>
+              </a:defRPr>
+            </a:lvl2pPr>
+            <a:lvl3pPr marL="2057297" indent="-571471" algn="l" defTabSz="4388900" rtl="0" eaLnBrk="1" latinLnBrk="0" hangingPunct="1">
+              <a:spcBef>
+                <a:spcPct val="20000"/>
+              </a:spcBef>
+              <a:buFont typeface="Arial" pitchFamily="34" charset="0"/>
+              <a:buChar char="•"/>
+              <a:defRPr sz="2500" kern="1200">
+                <a:solidFill>
+                  <a:schemeClr val="tx1"/>
+                </a:solidFill>
+                <a:latin typeface="Trebuchet MS" pitchFamily="34" charset="0"/>
+                <a:ea typeface="+mn-ea"/>
+                <a:cs typeface="+mn-cs"/>
+              </a:defRPr>
+            </a:lvl3pPr>
+            <a:lvl4pPr marL="2685916" indent="-628619" algn="l" defTabSz="4388900" rtl="0" eaLnBrk="1" latinLnBrk="0" hangingPunct="1">
+              <a:spcBef>
+                <a:spcPct val="20000"/>
+              </a:spcBef>
+              <a:buFont typeface="Arial" pitchFamily="34" charset="0"/>
+              <a:buChar char="–"/>
+              <a:defRPr sz="2500" kern="1200">
+                <a:solidFill>
+                  <a:schemeClr val="tx1"/>
+                </a:solidFill>
+                <a:latin typeface="Trebuchet MS" pitchFamily="34" charset="0"/>
+                <a:ea typeface="+mn-ea"/>
+                <a:cs typeface="+mn-cs"/>
+              </a:defRPr>
+            </a:lvl4pPr>
+            <a:lvl5pPr marL="3143093" indent="-457177" algn="l" defTabSz="4388900" rtl="0" eaLnBrk="1" latinLnBrk="0" hangingPunct="1">
+              <a:spcBef>
+                <a:spcPct val="20000"/>
+              </a:spcBef>
+              <a:buFont typeface="Arial" pitchFamily="34" charset="0"/>
+              <a:buChar char="»"/>
+              <a:defRPr sz="2500" kern="1200">
+                <a:solidFill>
+                  <a:schemeClr val="tx1"/>
+                </a:solidFill>
+                <a:latin typeface="Trebuchet MS" pitchFamily="34" charset="0"/>
+                <a:ea typeface="+mn-ea"/>
+                <a:cs typeface="+mn-cs"/>
+              </a:defRPr>
+            </a:lvl5pPr>
+            <a:lvl6pPr marL="12069477" indent="-1097226" algn="l" defTabSz="4388900" rtl="0" eaLnBrk="1" latinLnBrk="0" hangingPunct="1">
+              <a:spcBef>
+                <a:spcPct val="20000"/>
+              </a:spcBef>
+              <a:buFont typeface="Arial" pitchFamily="34" charset="0"/>
+              <a:buChar char="•"/>
+              <a:defRPr sz="9600" kern="1200">
+                <a:solidFill>
+                  <a:schemeClr val="tx1"/>
+                </a:solidFill>
+                <a:latin typeface="+mn-lt"/>
+                <a:ea typeface="+mn-ea"/>
+                <a:cs typeface="+mn-cs"/>
+              </a:defRPr>
+            </a:lvl6pPr>
+            <a:lvl7pPr marL="14263926" indent="-1097226" algn="l" defTabSz="4388900" rtl="0" eaLnBrk="1" latinLnBrk="0" hangingPunct="1">
+              <a:spcBef>
+                <a:spcPct val="20000"/>
+              </a:spcBef>
+              <a:buFont typeface="Arial" pitchFamily="34" charset="0"/>
+              <a:buChar char="•"/>
+              <a:defRPr sz="9600" kern="1200">
+                <a:solidFill>
+                  <a:schemeClr val="tx1"/>
+                </a:solidFill>
+                <a:latin typeface="+mn-lt"/>
+                <a:ea typeface="+mn-ea"/>
+                <a:cs typeface="+mn-cs"/>
+              </a:defRPr>
+            </a:lvl7pPr>
+            <a:lvl8pPr marL="16458377" indent="-1097226" algn="l" defTabSz="4388900" rtl="0" eaLnBrk="1" latinLnBrk="0" hangingPunct="1">
+              <a:spcBef>
+                <a:spcPct val="20000"/>
+              </a:spcBef>
+              <a:buFont typeface="Arial" pitchFamily="34" charset="0"/>
+              <a:buChar char="•"/>
+              <a:defRPr sz="9600" kern="1200">
+                <a:solidFill>
+                  <a:schemeClr val="tx1"/>
+                </a:solidFill>
+                <a:latin typeface="+mn-lt"/>
+                <a:ea typeface="+mn-ea"/>
+                <a:cs typeface="+mn-cs"/>
+              </a:defRPr>
+            </a:lvl8pPr>
+            <a:lvl9pPr marL="18652827" indent="-1097226" algn="l" defTabSz="4388900" rtl="0" eaLnBrk="1" latinLnBrk="0" hangingPunct="1">
+              <a:spcBef>
+                <a:spcPct val="20000"/>
+              </a:spcBef>
+              <a:buFont typeface="Arial" pitchFamily="34" charset="0"/>
+              <a:buChar char="•"/>
+              <a:defRPr sz="9600" kern="1200">
+                <a:solidFill>
+                  <a:schemeClr val="tx1"/>
+                </a:solidFill>
+                <a:latin typeface="+mn-lt"/>
+                <a:ea typeface="+mn-ea"/>
+                <a:cs typeface="+mn-cs"/>
+              </a:defRPr>
+            </a:lvl9pPr>
+          </a:lstStyle>
+          <a:p>
+            <a:r>
+              <a:rPr lang="en-US" sz="3200" dirty="0"/>
+              <a:t>Well it’s actually only me. I work on the logo, the idea, and the execution. This means I have full control of the development of </a:t>
+            </a:r>
+            <a:r>
+              <a:rPr lang="en-US" sz="3200" dirty="0" err="1"/>
+              <a:t>StickyNote</a:t>
+            </a:r>
+            <a:r>
+              <a:rPr lang="en-US" sz="3200" dirty="0"/>
+              <a:t> and the direction it takes. This also means production is very slow as I need to learn every technology that will be used and with that comes all of the bad choices and bugs I create on the way. But, even with that said it </a:t>
+            </a:r>
+            <a:r>
+              <a:rPr lang="en-US" sz="3200" dirty="0" err="1"/>
+              <a:t>StickyNote</a:t>
+            </a:r>
+            <a:r>
+              <a:rPr lang="en-US" sz="3200" dirty="0"/>
+              <a:t> has been a great way for me to learn new things like React and TypeScript and I think will be a great tool even if it is only in my toolbox.</a:t>
+            </a:r>
+          </a:p>
+          <a:p>
+            <a:r>
+              <a:rPr lang="en-US" sz="3200" dirty="0"/>
+              <a:t>If you want to follow progress for some reason here is the GitHub of </a:t>
+            </a:r>
+            <a:r>
+              <a:rPr lang="en-US" sz="3200" dirty="0" err="1"/>
+              <a:t>StickyNote</a:t>
+            </a:r>
+            <a:r>
+              <a:rPr lang="en-US" sz="3200" dirty="0"/>
+              <a:t> - https://github.com/CamoGuy3000/StickyNote</a:t>
+            </a:r>
+          </a:p>
+        </p:txBody>
+      </p:sp>
+      <p:pic>
+        <p:nvPicPr>
+          <p:cNvPr id="25" name="Picture 24" descr="A yellow square with a black and white logo&#10;&#10;Description automatically generated with medium confidence">
+            <a:extLst>
+              <a:ext uri="{FF2B5EF4-FFF2-40B4-BE49-F238E27FC236}">
+                <a16:creationId xmlns:a16="http://schemas.microsoft.com/office/drawing/2014/main" id="{6CBE17BD-6E0C-5E3B-C694-BD795A5C547C}"/>
+              </a:ext>
+            </a:extLst>
+          </p:cNvPr>
+          <p:cNvPicPr>
+            <a:picLocks noChangeAspect="1"/>
+          </p:cNvPicPr>
+          <p:nvPr/>
+        </p:nvPicPr>
+        <p:blipFill rotWithShape="1">
+          <a:blip r:embed="rId7">
+            <a:duotone>
+              <a:schemeClr val="accent1">
+                <a:shade val="45000"/>
+                <a:satMod val="135000"/>
+              </a:schemeClr>
+              <a:prstClr val="white"/>
+            </a:duotone>
+            <a:extLst>
+              <a:ext uri="{28A0092B-C50C-407E-A947-70E740481C1C}">
+                <a14:useLocalDpi xmlns:a14="http://schemas.microsoft.com/office/drawing/2010/main" val="0"/>
+              </a:ext>
+            </a:extLst>
+          </a:blip>
+          <a:srcRect l="4312" r="6858"/>
+          <a:stretch/>
+        </p:blipFill>
+        <p:spPr>
+          <a:xfrm>
+            <a:off x="12435840" y="19727152"/>
+            <a:ext cx="19751040" cy="3138973"/>
+          </a:xfrm>
+          <a:prstGeom prst="rect">
+            <a:avLst/>
+          </a:prstGeom>
+        </p:spPr>
+      </p:pic>
+      <p:sp>
+        <p:nvSpPr>
+          <p:cNvPr id="20" name="Text Placeholder 96">
+            <a:extLst>
+              <a:ext uri="{FF2B5EF4-FFF2-40B4-BE49-F238E27FC236}">
+                <a16:creationId xmlns:a16="http://schemas.microsoft.com/office/drawing/2014/main" id="{12CA909E-FCD2-E1DD-6D91-FCDAE21452C8}"/>
+              </a:ext>
+            </a:extLst>
+          </p:cNvPr>
+          <p:cNvSpPr txBox="1">
+            <a:spLocks/>
+          </p:cNvSpPr>
+          <p:nvPr/>
+        </p:nvSpPr>
+        <p:spPr>
+          <a:xfrm>
+            <a:off x="12919888" y="20795819"/>
+            <a:ext cx="18744459" cy="1938970"/>
+          </a:xfrm>
+          <a:prstGeom prst="rect">
+            <a:avLst/>
+          </a:prstGeom>
+        </p:spPr>
+        <p:txBody>
+          <a:bodyPr wrap="square" lIns="228589" tIns="228589" rIns="228589" bIns="228589">
+            <a:spAutoFit/>
+          </a:bodyPr>
+          <a:lstStyle>
+            <a:lvl1pPr marL="0" indent="0" algn="l" defTabSz="4388900" rtl="0" eaLnBrk="1" latinLnBrk="0" hangingPunct="1">
+              <a:spcBef>
+                <a:spcPct val="20000"/>
+              </a:spcBef>
+              <a:buFont typeface="Arial" pitchFamily="34" charset="0"/>
+              <a:buNone/>
+              <a:defRPr sz="2500" kern="1200">
+                <a:solidFill>
+                  <a:schemeClr val="accent5">
+                    <a:lumMod val="50000"/>
+                  </a:schemeClr>
+                </a:solidFill>
+                <a:latin typeface="Times New Roman" pitchFamily="18" charset="0"/>
+                <a:ea typeface="+mn-ea"/>
+                <a:cs typeface="Times New Roman" pitchFamily="18" charset="0"/>
+              </a:defRPr>
+            </a:lvl1pPr>
+            <a:lvl2pPr marL="1485825" indent="-571471" algn="l" defTabSz="4388900" rtl="0" eaLnBrk="1" latinLnBrk="0" hangingPunct="1">
+              <a:spcBef>
+                <a:spcPct val="20000"/>
+              </a:spcBef>
+              <a:buFont typeface="Arial" pitchFamily="34" charset="0"/>
+              <a:buChar char="–"/>
+              <a:defRPr sz="2500" kern="1200">
+                <a:solidFill>
+                  <a:schemeClr val="tx1"/>
+                </a:solidFill>
+                <a:latin typeface="Trebuchet MS" pitchFamily="34" charset="0"/>
+                <a:ea typeface="+mn-ea"/>
+                <a:cs typeface="+mn-cs"/>
+              </a:defRPr>
+            </a:lvl2pPr>
+            <a:lvl3pPr marL="2057297" indent="-571471" algn="l" defTabSz="4388900" rtl="0" eaLnBrk="1" latinLnBrk="0" hangingPunct="1">
+              <a:spcBef>
+                <a:spcPct val="20000"/>
+              </a:spcBef>
+              <a:buFont typeface="Arial" pitchFamily="34" charset="0"/>
+              <a:buChar char="•"/>
+              <a:defRPr sz="2500" kern="1200">
+                <a:solidFill>
+                  <a:schemeClr val="tx1"/>
+                </a:solidFill>
+                <a:latin typeface="Trebuchet MS" pitchFamily="34" charset="0"/>
+                <a:ea typeface="+mn-ea"/>
+                <a:cs typeface="+mn-cs"/>
+              </a:defRPr>
+            </a:lvl3pPr>
+            <a:lvl4pPr marL="2685916" indent="-628619" algn="l" defTabSz="4388900" rtl="0" eaLnBrk="1" latinLnBrk="0" hangingPunct="1">
+              <a:spcBef>
+                <a:spcPct val="20000"/>
+              </a:spcBef>
+              <a:buFont typeface="Arial" pitchFamily="34" charset="0"/>
+              <a:buChar char="–"/>
+              <a:defRPr sz="2500" kern="1200">
+                <a:solidFill>
+                  <a:schemeClr val="tx1"/>
+                </a:solidFill>
+                <a:latin typeface="Trebuchet MS" pitchFamily="34" charset="0"/>
+                <a:ea typeface="+mn-ea"/>
+                <a:cs typeface="+mn-cs"/>
+              </a:defRPr>
+            </a:lvl4pPr>
+            <a:lvl5pPr marL="3143093" indent="-457177" algn="l" defTabSz="4388900" rtl="0" eaLnBrk="1" latinLnBrk="0" hangingPunct="1">
+              <a:spcBef>
+                <a:spcPct val="20000"/>
+              </a:spcBef>
+              <a:buFont typeface="Arial" pitchFamily="34" charset="0"/>
+              <a:buChar char="»"/>
+              <a:defRPr sz="2500" kern="1200">
+                <a:solidFill>
+                  <a:schemeClr val="tx1"/>
+                </a:solidFill>
+                <a:latin typeface="Trebuchet MS" pitchFamily="34" charset="0"/>
+                <a:ea typeface="+mn-ea"/>
+                <a:cs typeface="+mn-cs"/>
+              </a:defRPr>
+            </a:lvl5pPr>
+            <a:lvl6pPr marL="12069477" indent="-1097226" algn="l" defTabSz="4388900" rtl="0" eaLnBrk="1" latinLnBrk="0" hangingPunct="1">
+              <a:spcBef>
+                <a:spcPct val="20000"/>
+              </a:spcBef>
+              <a:buFont typeface="Arial" pitchFamily="34" charset="0"/>
+              <a:buChar char="•"/>
+              <a:defRPr sz="9600" kern="1200">
+                <a:solidFill>
+                  <a:schemeClr val="tx1"/>
+                </a:solidFill>
+                <a:latin typeface="+mn-lt"/>
+                <a:ea typeface="+mn-ea"/>
+                <a:cs typeface="+mn-cs"/>
+              </a:defRPr>
+            </a:lvl6pPr>
+            <a:lvl7pPr marL="14263926" indent="-1097226" algn="l" defTabSz="4388900" rtl="0" eaLnBrk="1" latinLnBrk="0" hangingPunct="1">
+              <a:spcBef>
+                <a:spcPct val="20000"/>
+              </a:spcBef>
+              <a:buFont typeface="Arial" pitchFamily="34" charset="0"/>
+              <a:buChar char="•"/>
+              <a:defRPr sz="9600" kern="1200">
+                <a:solidFill>
+                  <a:schemeClr val="tx1"/>
+                </a:solidFill>
+                <a:latin typeface="+mn-lt"/>
+                <a:ea typeface="+mn-ea"/>
+                <a:cs typeface="+mn-cs"/>
+              </a:defRPr>
+            </a:lvl7pPr>
+            <a:lvl8pPr marL="16458377" indent="-1097226" algn="l" defTabSz="4388900" rtl="0" eaLnBrk="1" latinLnBrk="0" hangingPunct="1">
+              <a:spcBef>
+                <a:spcPct val="20000"/>
+              </a:spcBef>
+              <a:buFont typeface="Arial" pitchFamily="34" charset="0"/>
+              <a:buChar char="•"/>
+              <a:defRPr sz="9600" kern="1200">
+                <a:solidFill>
+                  <a:schemeClr val="tx1"/>
+                </a:solidFill>
+                <a:latin typeface="+mn-lt"/>
+                <a:ea typeface="+mn-ea"/>
+                <a:cs typeface="+mn-cs"/>
+              </a:defRPr>
+            </a:lvl8pPr>
+            <a:lvl9pPr marL="18652827" indent="-1097226" algn="l" defTabSz="4388900" rtl="0" eaLnBrk="1" latinLnBrk="0" hangingPunct="1">
+              <a:spcBef>
+                <a:spcPct val="20000"/>
+              </a:spcBef>
+              <a:buFont typeface="Arial" pitchFamily="34" charset="0"/>
+              <a:buChar char="•"/>
+              <a:defRPr sz="9600" kern="1200">
+                <a:solidFill>
+                  <a:schemeClr val="tx1"/>
+                </a:solidFill>
+                <a:latin typeface="+mn-lt"/>
+                <a:ea typeface="+mn-ea"/>
+                <a:cs typeface="+mn-cs"/>
+              </a:defRPr>
+            </a:lvl9pPr>
+          </a:lstStyle>
+          <a:p>
+            <a:r>
+              <a:rPr lang="en-US" sz="3200" dirty="0"/>
+              <a:t>I decided to make </a:t>
+            </a:r>
+            <a:r>
+              <a:rPr lang="en-US" sz="3200" dirty="0" err="1"/>
+              <a:t>StickyNote</a:t>
+            </a:r>
+            <a:r>
+              <a:rPr lang="en-US" sz="3200" dirty="0"/>
+              <a:t> a chrome extension because the whole point is to have it be an “application” that didn’t have to boot up every time you wanted to use it, like notepad. An extension just will run whenever the user does something of interest on the given tab, an automatic way to boot up an application.</a:t>
+            </a:r>
+          </a:p>
+        </p:txBody>
+      </p:sp>
+      <p:sp>
+        <p:nvSpPr>
+          <p:cNvPr id="91" name="Text Placeholder 90">
+            <a:extLst>
+              <a:ext uri="{FF2B5EF4-FFF2-40B4-BE49-F238E27FC236}">
+                <a16:creationId xmlns:a16="http://schemas.microsoft.com/office/drawing/2014/main" id="{6A984DC8-C031-724D-9B33-B7D232AE5C5D}"/>
+              </a:ext>
+            </a:extLst>
+          </p:cNvPr>
+          <p:cNvSpPr>
+            <a:spLocks noGrp="1"/>
+          </p:cNvSpPr>
+          <p:nvPr>
+            <p:ph type="body" sz="quarter" idx="22"/>
+          </p:nvPr>
+        </p:nvSpPr>
+        <p:spPr>
+          <a:xfrm>
+            <a:off x="17267681" y="20074918"/>
+            <a:ext cx="10048875" cy="923322"/>
+          </a:xfrm>
+        </p:spPr>
+        <p:txBody>
+          <a:bodyPr/>
+          <a:lstStyle/>
+          <a:p>
+            <a:r>
+              <a:rPr lang="en-US" sz="4800" dirty="0"/>
+              <a:t>What was used to make the project?</a:t>
+            </a:r>
+          </a:p>
+        </p:txBody>
+      </p:sp>
     </p:spTree>
     <p:extLst>
       <p:ext uri="{BB962C8B-B14F-4D97-AF65-F5344CB8AC3E}">
